--- a/slides/05-Java面向对象编程-类与对象.pptx
+++ b/slides/05-Java面向对象编程-类与对象.pptx
@@ -483,7 +483,7 @@
               <a:pPr>
                 <a:defRPr/>
               </a:pPr>
-              <a:t>2024/3/11</a:t>
+              <a:t>2024/3/12</a:t>
             </a:fld>
             <a:endParaRPr lang="zh-CN" altLang="en-US"/>
           </a:p>
@@ -3247,7 +3247,7 @@
               <a:pPr>
                 <a:defRPr/>
               </a:pPr>
-              <a:t>2024/3/11</a:t>
+              <a:t>2024/3/12</a:t>
             </a:fld>
             <a:endParaRPr lang="zh-CN" altLang="en-US"/>
           </a:p>
@@ -3588,7 +3588,7 @@
               <a:pPr>
                 <a:defRPr/>
               </a:pPr>
-              <a:t>2024/3/11</a:t>
+              <a:t>2024/3/12</a:t>
             </a:fld>
             <a:endParaRPr lang="zh-CN" altLang="en-US"/>
           </a:p>
@@ -3851,7 +3851,7 @@
               <a:pPr>
                 <a:defRPr/>
               </a:pPr>
-              <a:t>2024/3/11</a:t>
+              <a:t>2024/3/12</a:t>
             </a:fld>
             <a:endParaRPr lang="zh-CN" altLang="en-US"/>
           </a:p>
@@ -4114,7 +4114,7 @@
               <a:pPr>
                 <a:defRPr/>
               </a:pPr>
-              <a:t>2024/3/11</a:t>
+              <a:t>2024/3/12</a:t>
             </a:fld>
             <a:endParaRPr lang="zh-CN" altLang="en-US"/>
           </a:p>
@@ -4422,7 +4422,7 @@
           <a:p>
             <a:fld id="{727B9DD9-119C-4B8D-B3AB-3CFC6AE69930}" type="datetimeFigureOut">
               <a:rPr lang="zh-CN" altLang="en-US" smtClean="0"/>
-              <a:t>2024/3/11</a:t>
+              <a:t>2024/3/12</a:t>
             </a:fld>
             <a:endParaRPr lang="zh-CN" altLang="en-US"/>
           </a:p>
@@ -4502,7 +4502,7 @@
         <p:random/>
       </p:transition>
     </mc:Choice>
-    <mc:Fallback xmlns="" xmlns:p15="http://schemas.microsoft.com/office/powerpoint/2012/main">
+    <mc:Fallback xmlns:p15="http://schemas.microsoft.com/office/powerpoint/2012/main" xmlns="">
       <p:transition spd="slow" advClick="0">
         <p:random/>
       </p:transition>
@@ -5784,7 +5784,7 @@
               <a:pPr>
                 <a:defRPr/>
               </a:pPr>
-              <a:t>2024/3/11</a:t>
+              <a:t>2024/3/12</a:t>
             </a:fld>
             <a:endParaRPr lang="zh-CN" altLang="en-US"/>
           </a:p>
@@ -6302,7 +6302,7 @@
               <a:pPr>
                 <a:defRPr/>
               </a:pPr>
-              <a:t>2024/3/11</a:t>
+              <a:t>2024/3/12</a:t>
             </a:fld>
             <a:endParaRPr lang="zh-CN" altLang="en-US"/>
           </a:p>
@@ -6506,7 +6506,7 @@
               <a:pPr>
                 <a:defRPr/>
               </a:pPr>
-              <a:t>2024/3/11</a:t>
+              <a:t>2024/3/12</a:t>
             </a:fld>
             <a:endParaRPr lang="zh-CN" altLang="en-US"/>
           </a:p>
@@ -6680,7 +6680,7 @@
               <a:pPr>
                 <a:defRPr/>
               </a:pPr>
-              <a:t>2024/3/11</a:t>
+              <a:t>2024/3/12</a:t>
             </a:fld>
             <a:endParaRPr lang="zh-CN" altLang="en-US"/>
           </a:p>
@@ -7540,7 +7540,7 @@
         <p:blinds dir="vert"/>
       </p:transition>
     </mc:Choice>
-    <mc:Fallback xmlns="" xmlns:p15="http://schemas.microsoft.com/office/powerpoint/2012/main">
+    <mc:Fallback xmlns:p15="http://schemas.microsoft.com/office/powerpoint/2012/main" xmlns="">
       <p:transition spd="slow" advClick="0">
         <p:blinds dir="vert"/>
       </p:transition>
@@ -8461,7 +8461,7 @@
         <p:blinds dir="vert"/>
       </p:transition>
     </mc:Choice>
-    <mc:Fallback xmlns="" xmlns:p15="http://schemas.microsoft.com/office/powerpoint/2012/main">
+    <mc:Fallback xmlns:p15="http://schemas.microsoft.com/office/powerpoint/2012/main" xmlns="">
       <p:transition spd="slow" advClick="0">
         <p:blinds dir="vert"/>
       </p:transition>
@@ -9478,7 +9478,7 @@
         <p:blinds dir="vert"/>
       </p:transition>
     </mc:Choice>
-    <mc:Fallback xmlns="" xmlns:p15="http://schemas.microsoft.com/office/powerpoint/2012/main">
+    <mc:Fallback xmlns:p15="http://schemas.microsoft.com/office/powerpoint/2012/main" xmlns="">
       <p:transition spd="slow" advClick="0">
         <p:blinds dir="vert"/>
       </p:transition>
@@ -10300,7 +10300,7 @@
         <p:blinds dir="vert"/>
       </p:transition>
     </mc:Choice>
-    <mc:Fallback xmlns="" xmlns:p15="http://schemas.microsoft.com/office/powerpoint/2012/main">
+    <mc:Fallback xmlns:p15="http://schemas.microsoft.com/office/powerpoint/2012/main" xmlns="">
       <p:transition spd="slow" advClick="0">
         <p:blinds dir="vert"/>
       </p:transition>
@@ -11843,7 +11843,27 @@
                   <a:latin typeface="Times New Roman" panose="02020603050405020304" pitchFamily="18" charset="0"/>
                   <a:cs typeface="Times New Roman" panose="02020603050405020304" pitchFamily="18" charset="0"/>
                 </a:rPr>
-                <a:t>Radius: double</a:t>
+                <a:t>r</a:t>
+              </a:r>
+              <a:r>
+                <a:rPr lang="en-US" altLang="zh-CN">
+                  <a:solidFill>
+                    <a:srgbClr val="FF0000"/>
+                  </a:solidFill>
+                  <a:latin typeface="Times New Roman" panose="02020603050405020304" pitchFamily="18" charset="0"/>
+                  <a:cs typeface="Times New Roman" panose="02020603050405020304" pitchFamily="18" charset="0"/>
+                </a:rPr>
+                <a:t>adius</a:t>
+              </a:r>
+              <a:r>
+                <a:rPr lang="en-US" altLang="zh-CN" dirty="0">
+                  <a:solidFill>
+                    <a:srgbClr val="FF0000"/>
+                  </a:solidFill>
+                  <a:latin typeface="Times New Roman" panose="02020603050405020304" pitchFamily="18" charset="0"/>
+                  <a:cs typeface="Times New Roman" panose="02020603050405020304" pitchFamily="18" charset="0"/>
+                </a:rPr>
+                <a:t>: double</a:t>
               </a:r>
             </a:p>
             <a:p>
@@ -11855,7 +11875,7 @@
                   <a:latin typeface="Times New Roman" panose="02020603050405020304" pitchFamily="18" charset="0"/>
                   <a:cs typeface="Times New Roman" panose="02020603050405020304" pitchFamily="18" charset="0"/>
                 </a:rPr>
-                <a:t>Height: int</a:t>
+                <a:t>height: int</a:t>
               </a:r>
               <a:endParaRPr lang="zh-CN" altLang="en-US" dirty="0">
                 <a:solidFill>
@@ -13131,7 +13151,7 @@
         <p:blinds dir="vert"/>
       </p:transition>
     </mc:Choice>
-    <mc:Fallback xmlns="" xmlns:p15="http://schemas.microsoft.com/office/powerpoint/2012/main">
+    <mc:Fallback xmlns:p15="http://schemas.microsoft.com/office/powerpoint/2012/main" xmlns="">
       <p:transition spd="slow" advClick="0">
         <p:blinds dir="vert"/>
       </p:transition>
@@ -14765,7 +14785,7 @@
         <p:blinds dir="vert"/>
       </p:transition>
     </mc:Choice>
-    <mc:Fallback xmlns="" xmlns:p15="http://schemas.microsoft.com/office/powerpoint/2012/main">
+    <mc:Fallback xmlns:p15="http://schemas.microsoft.com/office/powerpoint/2012/main" xmlns="">
       <p:transition spd="slow" advClick="0">
         <p:blinds dir="vert"/>
       </p:transition>
@@ -19174,7 +19194,7 @@
         <p14:prism/>
       </p:transition>
     </mc:Choice>
-    <mc:Fallback xmlns="" xmlns:p15="http://schemas.microsoft.com/office/powerpoint/2012/main">
+    <mc:Fallback xmlns:p15="http://schemas.microsoft.com/office/powerpoint/2012/main" xmlns="">
       <p:transition spd="slow" advClick="0">
         <p:fade/>
       </p:transition>
@@ -20211,7 +20231,7 @@
         <p:blinds dir="vert"/>
       </p:transition>
     </mc:Choice>
-    <mc:Fallback xmlns="" xmlns:p15="http://schemas.microsoft.com/office/powerpoint/2012/main">
+    <mc:Fallback xmlns:p15="http://schemas.microsoft.com/office/powerpoint/2012/main" xmlns="">
       <p:transition spd="slow" advClick="0">
         <p:blinds dir="vert"/>
       </p:transition>
@@ -21586,7 +21606,7 @@
         <p:blinds dir="vert"/>
       </p:transition>
     </mc:Choice>
-    <mc:Fallback xmlns="" xmlns:p15="http://schemas.microsoft.com/office/powerpoint/2012/main">
+    <mc:Fallback xmlns:p15="http://schemas.microsoft.com/office/powerpoint/2012/main" xmlns="">
       <p:transition spd="slow" advClick="0">
         <p:blinds dir="vert"/>
       </p:transition>
@@ -22234,7 +22254,7 @@
         <p:blinds dir="vert"/>
       </p:transition>
     </mc:Choice>
-    <mc:Fallback xmlns="" xmlns:p15="http://schemas.microsoft.com/office/powerpoint/2012/main">
+    <mc:Fallback xmlns:p15="http://schemas.microsoft.com/office/powerpoint/2012/main" xmlns="">
       <p:transition spd="slow" advClick="0">
         <p:blinds dir="vert"/>
       </p:transition>
@@ -22967,7 +22987,7 @@
         <p:blinds dir="vert"/>
       </p:transition>
     </mc:Choice>
-    <mc:Fallback xmlns="" xmlns:p15="http://schemas.microsoft.com/office/powerpoint/2012/main">
+    <mc:Fallback xmlns:p15="http://schemas.microsoft.com/office/powerpoint/2012/main" xmlns="">
       <p:transition spd="slow" advClick="0">
         <p:blinds dir="vert"/>
       </p:transition>
@@ -23258,7 +23278,7 @@
     <mc:Choice Requires="p14">
       <p:transition spd="slow" p14:dur="2000" advClick="0"/>
     </mc:Choice>
-    <mc:Fallback xmlns="" xmlns:p15="http://schemas.microsoft.com/office/powerpoint/2012/main">
+    <mc:Fallback xmlns:p15="http://schemas.microsoft.com/office/powerpoint/2012/main" xmlns="">
       <p:transition spd="slow" advClick="0"/>
     </mc:Fallback>
   </mc:AlternateContent>
@@ -25631,7 +25651,7 @@
         <p:blinds dir="vert"/>
       </p:transition>
     </mc:Choice>
-    <mc:Fallback xmlns="" xmlns:p15="http://schemas.microsoft.com/office/powerpoint/2012/main">
+    <mc:Fallback xmlns:p15="http://schemas.microsoft.com/office/powerpoint/2012/main" xmlns="">
       <p:transition spd="slow" advClick="0">
         <p:blinds dir="vert"/>
       </p:transition>

--- a/slides/05-Java面向对象编程-类与对象.pptx
+++ b/slides/05-Java面向对象编程-类与对象.pptx
@@ -198,14 +198,6 @@
 </p:cmAuthorLst>
 </file>
 
-<file path=ppt/revisionInfo.xml><?xml version="1.0" encoding="utf-8"?>
-<p1510:revInfo xmlns:a="http://schemas.openxmlformats.org/drawingml/2006/main" xmlns:r="http://schemas.openxmlformats.org/officeDocument/2006/relationships" xmlns:p1510="http://schemas.microsoft.com/office/powerpoint/2015/10/main">
-  <p1510:revLst>
-    <p1510:client id="{E12AECB4-73B5-4170-98ED-83D0C6F8527B}" v="1" dt="2024-03-11T09:44:33.436"/>
-  </p1510:revLst>
-</p1510:revInfo>
-</file>
-
 <file path=ppt/changesInfos/changesInfo1.xml><?xml version="1.0" encoding="utf-8"?>
 <pc:chgInfo xmlns:a="http://schemas.openxmlformats.org/drawingml/2006/main" xmlns:r="http://schemas.openxmlformats.org/officeDocument/2006/relationships" xmlns:ac="http://schemas.microsoft.com/office/drawing/2013/main/command" xmlns:pc="http://schemas.microsoft.com/office/powerpoint/2013/main/command">
   <pc:docChgLst>
@@ -221,22 +213,6 @@
           <pc:docMk/>
           <pc:sldMk cId="2593404306" sldId="315"/>
         </pc:sldMkLst>
-        <pc:spChg chg="mod">
-          <ac:chgData name="pdcxs" userId="f53f700a-6709-4045-8975-3edaa594be1c" providerId="ADAL" clId="{E12AECB4-73B5-4170-98ED-83D0C6F8527B}" dt="2024-03-11T09:57:06.924" v="181" actId="20577"/>
-          <ac:spMkLst>
-            <pc:docMk/>
-            <pc:sldMk cId="2593404306" sldId="315"/>
-            <ac:spMk id="13" creationId="{4DF76A38-F477-4006-910C-BD05FFB97AD7}"/>
-          </ac:spMkLst>
-        </pc:spChg>
-        <pc:spChg chg="mod">
-          <ac:chgData name="pdcxs" userId="f53f700a-6709-4045-8975-3edaa594be1c" providerId="ADAL" clId="{E12AECB4-73B5-4170-98ED-83D0C6F8527B}" dt="2024-03-11T10:04:20.439" v="207" actId="20577"/>
-          <ac:spMkLst>
-            <pc:docMk/>
-            <pc:sldMk cId="2593404306" sldId="315"/>
-            <ac:spMk id="17" creationId="{B8C7C9D8-AD12-4736-B842-4ED276AE920E}"/>
-          </ac:spMkLst>
-        </pc:spChg>
       </pc:sldChg>
       <pc:sldChg chg="modSp mod">
         <pc:chgData name="pdcxs" userId="f53f700a-6709-4045-8975-3edaa594be1c" providerId="ADAL" clId="{E12AECB4-73B5-4170-98ED-83D0C6F8527B}" dt="2024-03-11T09:45:05.638" v="86" actId="20577"/>
@@ -244,14 +220,6 @@
           <pc:docMk/>
           <pc:sldMk cId="3458102598" sldId="377"/>
         </pc:sldMkLst>
-        <pc:spChg chg="mod">
-          <ac:chgData name="pdcxs" userId="f53f700a-6709-4045-8975-3edaa594be1c" providerId="ADAL" clId="{E12AECB4-73B5-4170-98ED-83D0C6F8527B}" dt="2024-03-11T09:45:05.638" v="86" actId="20577"/>
-          <ac:spMkLst>
-            <pc:docMk/>
-            <pc:sldMk cId="3458102598" sldId="377"/>
-            <ac:spMk id="18" creationId="{CAA93D4C-42E2-486B-9692-90F3AC9AB381}"/>
-          </ac:spMkLst>
-        </pc:spChg>
       </pc:sldChg>
       <pc:sldChg chg="modSp mod">
         <pc:chgData name="pdcxs" userId="f53f700a-6709-4045-8975-3edaa594be1c" providerId="ADAL" clId="{E12AECB4-73B5-4170-98ED-83D0C6F8527B}" dt="2024-03-11T09:44:47.530" v="85" actId="20577"/>
@@ -259,22 +227,6 @@
           <pc:docMk/>
           <pc:sldMk cId="2173657928" sldId="378"/>
         </pc:sldMkLst>
-        <pc:spChg chg="mod">
-          <ac:chgData name="pdcxs" userId="f53f700a-6709-4045-8975-3edaa594be1c" providerId="ADAL" clId="{E12AECB4-73B5-4170-98ED-83D0C6F8527B}" dt="2024-03-11T09:44:47.530" v="85" actId="20577"/>
-          <ac:spMkLst>
-            <pc:docMk/>
-            <pc:sldMk cId="2173657928" sldId="378"/>
-            <ac:spMk id="20" creationId="{E0E4C664-592E-43A2-8E25-35D18F4A8C26}"/>
-          </ac:spMkLst>
-        </pc:spChg>
-        <pc:spChg chg="mod">
-          <ac:chgData name="pdcxs" userId="f53f700a-6709-4045-8975-3edaa594be1c" providerId="ADAL" clId="{E12AECB4-73B5-4170-98ED-83D0C6F8527B}" dt="2024-03-11T09:44:19.601" v="39" actId="20577"/>
-          <ac:spMkLst>
-            <pc:docMk/>
-            <pc:sldMk cId="2173657928" sldId="378"/>
-            <ac:spMk id="21" creationId="{D0C1091A-799F-4EC6-938B-736E4BBAAD0D}"/>
-          </ac:spMkLst>
-        </pc:spChg>
       </pc:sldChg>
       <pc:sldChg chg="modSp mod">
         <pc:chgData name="pdcxs" userId="f53f700a-6709-4045-8975-3edaa594be1c" providerId="ADAL" clId="{E12AECB4-73B5-4170-98ED-83D0C6F8527B}" dt="2024-03-11T09:53:03.537" v="157" actId="20577"/>
@@ -282,22 +234,6 @@
           <pc:docMk/>
           <pc:sldMk cId="2578556573" sldId="379"/>
         </pc:sldMkLst>
-        <pc:spChg chg="mod">
-          <ac:chgData name="pdcxs" userId="f53f700a-6709-4045-8975-3edaa594be1c" providerId="ADAL" clId="{E12AECB4-73B5-4170-98ED-83D0C6F8527B}" dt="2024-03-11T09:52:40.481" v="118" actId="20577"/>
-          <ac:spMkLst>
-            <pc:docMk/>
-            <pc:sldMk cId="2578556573" sldId="379"/>
-            <ac:spMk id="15" creationId="{891A3AD1-0EBE-4BA9-97F3-AFC1E9ADC288}"/>
-          </ac:spMkLst>
-        </pc:spChg>
-        <pc:spChg chg="mod">
-          <ac:chgData name="pdcxs" userId="f53f700a-6709-4045-8975-3edaa594be1c" providerId="ADAL" clId="{E12AECB4-73B5-4170-98ED-83D0C6F8527B}" dt="2024-03-11T09:53:03.537" v="157" actId="20577"/>
-          <ac:spMkLst>
-            <pc:docMk/>
-            <pc:sldMk cId="2578556573" sldId="379"/>
-            <ac:spMk id="17" creationId="{99AEF668-7057-489B-9AFC-ABC082CFD8EA}"/>
-          </ac:spMkLst>
-        </pc:spChg>
       </pc:sldChg>
       <pc:sldChg chg="modSp mod">
         <pc:chgData name="pdcxs" userId="f53f700a-6709-4045-8975-3edaa594be1c" providerId="ADAL" clId="{E12AECB4-73B5-4170-98ED-83D0C6F8527B}" dt="2024-03-11T10:10:25.984" v="251" actId="20577"/>
@@ -305,22 +241,6 @@
           <pc:docMk/>
           <pc:sldMk cId="1139352134" sldId="381"/>
         </pc:sldMkLst>
-        <pc:spChg chg="mod">
-          <ac:chgData name="pdcxs" userId="f53f700a-6709-4045-8975-3edaa594be1c" providerId="ADAL" clId="{E12AECB4-73B5-4170-98ED-83D0C6F8527B}" dt="2024-03-11T10:10:25.984" v="251" actId="20577"/>
-          <ac:spMkLst>
-            <pc:docMk/>
-            <pc:sldMk cId="1139352134" sldId="381"/>
-            <ac:spMk id="13" creationId="{4DF76A38-F477-4006-910C-BD05FFB97AD7}"/>
-          </ac:spMkLst>
-        </pc:spChg>
-        <pc:spChg chg="mod">
-          <ac:chgData name="pdcxs" userId="f53f700a-6709-4045-8975-3edaa594be1c" providerId="ADAL" clId="{E12AECB4-73B5-4170-98ED-83D0C6F8527B}" dt="2024-03-11T10:04:38.252" v="218" actId="20577"/>
-          <ac:spMkLst>
-            <pc:docMk/>
-            <pc:sldMk cId="1139352134" sldId="381"/>
-            <ac:spMk id="16" creationId="{EC988F3A-38C2-4A67-9B9A-F09E9E6A26D6}"/>
-          </ac:spMkLst>
-        </pc:spChg>
       </pc:sldChg>
     </pc:docChg>
   </pc:docChgLst>
@@ -360,12 +280,28 @@
           <pc:docMk/>
           <pc:sldMk cId="753176371" sldId="306"/>
         </pc:sldMkLst>
+      </pc:sldChg>
+    </pc:docChg>
+  </pc:docChgLst>
+  <pc:docChgLst>
+    <pc:chgData name="pdcxs" userId="f53f700a-6709-4045-8975-3edaa594be1c" providerId="ADAL" clId="{DA4D72AD-ACA6-41D4-B751-A0107A61B1F0}"/>
+    <pc:docChg chg="modSld">
+      <pc:chgData name="pdcxs" userId="f53f700a-6709-4045-8975-3edaa594be1c" providerId="ADAL" clId="{DA4D72AD-ACA6-41D4-B751-A0107A61B1F0}" dt="2025-04-14T12:13:00.390" v="0"/>
+      <pc:docMkLst>
+        <pc:docMk/>
+      </pc:docMkLst>
+      <pc:sldChg chg="modSp mod">
+        <pc:chgData name="pdcxs" userId="f53f700a-6709-4045-8975-3edaa594be1c" providerId="ADAL" clId="{DA4D72AD-ACA6-41D4-B751-A0107A61B1F0}" dt="2025-04-14T12:13:00.390" v="0"/>
+        <pc:sldMkLst>
+          <pc:docMk/>
+          <pc:sldMk cId="1441024700" sldId="382"/>
+        </pc:sldMkLst>
         <pc:spChg chg="mod">
-          <ac:chgData name="pdcxs" userId="f53f700a-6709-4045-8975-3edaa594be1c" providerId="ADAL" clId="{7113C123-ABDB-4B5F-8453-7617D675FEF7}" dt="2023-02-23T07:29:39.835" v="6" actId="20577"/>
+          <ac:chgData name="pdcxs" userId="f53f700a-6709-4045-8975-3edaa594be1c" providerId="ADAL" clId="{DA4D72AD-ACA6-41D4-B751-A0107A61B1F0}" dt="2025-04-14T12:13:00.390" v="0"/>
           <ac:spMkLst>
             <pc:docMk/>
-            <pc:sldMk cId="753176371" sldId="306"/>
-            <ac:spMk id="19" creationId="{00000000-0000-0000-0000-000000000000}"/>
+            <pc:sldMk cId="1441024700" sldId="382"/>
+            <ac:spMk id="21" creationId="{00000000-0000-0000-0000-000000000000}"/>
           </ac:spMkLst>
         </pc:spChg>
       </pc:sldChg>
@@ -483,7 +419,7 @@
               <a:pPr>
                 <a:defRPr/>
               </a:pPr>
-              <a:t>2024/3/12</a:t>
+              <a:t>2025/4/14</a:t>
             </a:fld>
             <a:endParaRPr lang="zh-CN" altLang="en-US"/>
           </a:p>
@@ -3247,7 +3183,7 @@
               <a:pPr>
                 <a:defRPr/>
               </a:pPr>
-              <a:t>2024/3/12</a:t>
+              <a:t>2025/4/14</a:t>
             </a:fld>
             <a:endParaRPr lang="zh-CN" altLang="en-US"/>
           </a:p>
@@ -3588,7 +3524,7 @@
               <a:pPr>
                 <a:defRPr/>
               </a:pPr>
-              <a:t>2024/3/12</a:t>
+              <a:t>2025/4/14</a:t>
             </a:fld>
             <a:endParaRPr lang="zh-CN" altLang="en-US"/>
           </a:p>
@@ -3851,7 +3787,7 @@
               <a:pPr>
                 <a:defRPr/>
               </a:pPr>
-              <a:t>2024/3/12</a:t>
+              <a:t>2025/4/14</a:t>
             </a:fld>
             <a:endParaRPr lang="zh-CN" altLang="en-US"/>
           </a:p>
@@ -4114,7 +4050,7 @@
               <a:pPr>
                 <a:defRPr/>
               </a:pPr>
-              <a:t>2024/3/12</a:t>
+              <a:t>2025/4/14</a:t>
             </a:fld>
             <a:endParaRPr lang="zh-CN" altLang="en-US"/>
           </a:p>
@@ -4422,7 +4358,7 @@
           <a:p>
             <a:fld id="{727B9DD9-119C-4B8D-B3AB-3CFC6AE69930}" type="datetimeFigureOut">
               <a:rPr lang="zh-CN" altLang="en-US" smtClean="0"/>
-              <a:t>2024/3/12</a:t>
+              <a:t>2025/4/14</a:t>
             </a:fld>
             <a:endParaRPr lang="zh-CN" altLang="en-US"/>
           </a:p>
@@ -4502,7 +4438,7 @@
         <p:random/>
       </p:transition>
     </mc:Choice>
-    <mc:Fallback xmlns:p15="http://schemas.microsoft.com/office/powerpoint/2012/main" xmlns="">
+    <mc:Fallback xmlns="" xmlns:p15="http://schemas.microsoft.com/office/powerpoint/2012/main">
       <p:transition spd="slow" advClick="0">
         <p:random/>
       </p:transition>
@@ -5784,7 +5720,7 @@
               <a:pPr>
                 <a:defRPr/>
               </a:pPr>
-              <a:t>2024/3/12</a:t>
+              <a:t>2025/4/14</a:t>
             </a:fld>
             <a:endParaRPr lang="zh-CN" altLang="en-US"/>
           </a:p>
@@ -6302,7 +6238,7 @@
               <a:pPr>
                 <a:defRPr/>
               </a:pPr>
-              <a:t>2024/3/12</a:t>
+              <a:t>2025/4/14</a:t>
             </a:fld>
             <a:endParaRPr lang="zh-CN" altLang="en-US"/>
           </a:p>
@@ -6506,7 +6442,7 @@
               <a:pPr>
                 <a:defRPr/>
               </a:pPr>
-              <a:t>2024/3/12</a:t>
+              <a:t>2025/4/14</a:t>
             </a:fld>
             <a:endParaRPr lang="zh-CN" altLang="en-US"/>
           </a:p>
@@ -6680,7 +6616,7 @@
               <a:pPr>
                 <a:defRPr/>
               </a:pPr>
-              <a:t>2024/3/12</a:t>
+              <a:t>2025/4/14</a:t>
             </a:fld>
             <a:endParaRPr lang="zh-CN" altLang="en-US"/>
           </a:p>
@@ -7366,8 +7302,8 @@
         </p:nvSpPr>
         <p:spPr>
           <a:xfrm>
-            <a:off x="4307104" y="3583212"/>
-            <a:ext cx="3793288" cy="288512"/>
+            <a:off x="5312187" y="3583212"/>
+            <a:ext cx="1783122" cy="288512"/>
           </a:xfrm>
           <a:prstGeom prst="rect">
             <a:avLst/>
@@ -7392,7 +7328,7 @@
                 <a:latin typeface="微软雅黑" pitchFamily="34" charset="-122"/>
                 <a:ea typeface="微软雅黑" pitchFamily="34" charset="-122"/>
               </a:rPr>
-              <a:t>学院：计算机科学与技术学院（大数据学院）</a:t>
+              <a:t>学院：人工智能学院</a:t>
             </a:r>
             <a:endParaRPr lang="en-US" altLang="zh-CN" sz="1425" dirty="0">
               <a:solidFill>
@@ -7540,7 +7476,7 @@
         <p:blinds dir="vert"/>
       </p:transition>
     </mc:Choice>
-    <mc:Fallback xmlns:p15="http://schemas.microsoft.com/office/powerpoint/2012/main" xmlns="">
+    <mc:Fallback xmlns="" xmlns:p15="http://schemas.microsoft.com/office/powerpoint/2012/main">
       <p:transition spd="slow" advClick="0">
         <p:blinds dir="vert"/>
       </p:transition>
@@ -8461,7 +8397,7 @@
         <p:blinds dir="vert"/>
       </p:transition>
     </mc:Choice>
-    <mc:Fallback xmlns:p15="http://schemas.microsoft.com/office/powerpoint/2012/main" xmlns="">
+    <mc:Fallback xmlns="" xmlns:p15="http://schemas.microsoft.com/office/powerpoint/2012/main">
       <p:transition spd="slow" advClick="0">
         <p:blinds dir="vert"/>
       </p:transition>
@@ -9478,7 +9414,7 @@
         <p:blinds dir="vert"/>
       </p:transition>
     </mc:Choice>
-    <mc:Fallback xmlns:p15="http://schemas.microsoft.com/office/powerpoint/2012/main" xmlns="">
+    <mc:Fallback xmlns="" xmlns:p15="http://schemas.microsoft.com/office/powerpoint/2012/main">
       <p:transition spd="slow" advClick="0">
         <p:blinds dir="vert"/>
       </p:transition>
@@ -10300,7 +10236,7 @@
         <p:blinds dir="vert"/>
       </p:transition>
     </mc:Choice>
-    <mc:Fallback xmlns:p15="http://schemas.microsoft.com/office/powerpoint/2012/main" xmlns="">
+    <mc:Fallback xmlns="" xmlns:p15="http://schemas.microsoft.com/office/powerpoint/2012/main">
       <p:transition spd="slow" advClick="0">
         <p:blinds dir="vert"/>
       </p:transition>
@@ -13151,7 +13087,7 @@
         <p:blinds dir="vert"/>
       </p:transition>
     </mc:Choice>
-    <mc:Fallback xmlns:p15="http://schemas.microsoft.com/office/powerpoint/2012/main" xmlns="">
+    <mc:Fallback xmlns="" xmlns:p15="http://schemas.microsoft.com/office/powerpoint/2012/main">
       <p:transition spd="slow" advClick="0">
         <p:blinds dir="vert"/>
       </p:transition>
@@ -14785,7 +14721,7 @@
         <p:blinds dir="vert"/>
       </p:transition>
     </mc:Choice>
-    <mc:Fallback xmlns:p15="http://schemas.microsoft.com/office/powerpoint/2012/main" xmlns="">
+    <mc:Fallback xmlns="" xmlns:p15="http://schemas.microsoft.com/office/powerpoint/2012/main">
       <p:transition spd="slow" advClick="0">
         <p:blinds dir="vert"/>
       </p:transition>
@@ -19194,7 +19130,7 @@
         <p14:prism/>
       </p:transition>
     </mc:Choice>
-    <mc:Fallback xmlns:p15="http://schemas.microsoft.com/office/powerpoint/2012/main" xmlns="">
+    <mc:Fallback xmlns="" xmlns:p15="http://schemas.microsoft.com/office/powerpoint/2012/main">
       <p:transition spd="slow" advClick="0">
         <p:fade/>
       </p:transition>
@@ -20231,7 +20167,7 @@
         <p:blinds dir="vert"/>
       </p:transition>
     </mc:Choice>
-    <mc:Fallback xmlns:p15="http://schemas.microsoft.com/office/powerpoint/2012/main" xmlns="">
+    <mc:Fallback xmlns="" xmlns:p15="http://schemas.microsoft.com/office/powerpoint/2012/main">
       <p:transition spd="slow" advClick="0">
         <p:blinds dir="vert"/>
       </p:transition>
@@ -21606,7 +21542,7 @@
         <p:blinds dir="vert"/>
       </p:transition>
     </mc:Choice>
-    <mc:Fallback xmlns:p15="http://schemas.microsoft.com/office/powerpoint/2012/main" xmlns="">
+    <mc:Fallback xmlns="" xmlns:p15="http://schemas.microsoft.com/office/powerpoint/2012/main">
       <p:transition spd="slow" advClick="0">
         <p:blinds dir="vert"/>
       </p:transition>
@@ -22254,7 +22190,7 @@
         <p:blinds dir="vert"/>
       </p:transition>
     </mc:Choice>
-    <mc:Fallback xmlns:p15="http://schemas.microsoft.com/office/powerpoint/2012/main" xmlns="">
+    <mc:Fallback xmlns="" xmlns:p15="http://schemas.microsoft.com/office/powerpoint/2012/main">
       <p:transition spd="slow" advClick="0">
         <p:blinds dir="vert"/>
       </p:transition>
@@ -22987,7 +22923,7 @@
         <p:blinds dir="vert"/>
       </p:transition>
     </mc:Choice>
-    <mc:Fallback xmlns:p15="http://schemas.microsoft.com/office/powerpoint/2012/main" xmlns="">
+    <mc:Fallback xmlns="" xmlns:p15="http://schemas.microsoft.com/office/powerpoint/2012/main">
       <p:transition spd="slow" advClick="0">
         <p:blinds dir="vert"/>
       </p:transition>
@@ -23278,7 +23214,7 @@
     <mc:Choice Requires="p14">
       <p:transition spd="slow" p14:dur="2000" advClick="0"/>
     </mc:Choice>
-    <mc:Fallback xmlns:p15="http://schemas.microsoft.com/office/powerpoint/2012/main" xmlns="">
+    <mc:Fallback xmlns="" xmlns:p15="http://schemas.microsoft.com/office/powerpoint/2012/main">
       <p:transition spd="slow" advClick="0"/>
     </mc:Fallback>
   </mc:AlternateContent>
@@ -25651,7 +25587,7 @@
         <p:blinds dir="vert"/>
       </p:transition>
     </mc:Choice>
-    <mc:Fallback xmlns:p15="http://schemas.microsoft.com/office/powerpoint/2012/main" xmlns="">
+    <mc:Fallback xmlns="" xmlns:p15="http://schemas.microsoft.com/office/powerpoint/2012/main">
       <p:transition spd="slow" advClick="0">
         <p:blinds dir="vert"/>
       </p:transition>
